--- a/figures/routing_illustration.pptx
+++ b/figures/routing_illustration.pptx
@@ -7,6 +7,7 @@
   <p:sldIdLst>
     <p:sldId id="256" r:id="rId2"/>
     <p:sldId id="257" r:id="rId3"/>
+    <p:sldId id="258" r:id="rId4"/>
   </p:sldIdLst>
   <p:sldSz cx="6858000" cy="9906000" type="A4"/>
   <p:notesSz cx="6858000" cy="9144000"/>
@@ -255,7 +256,7 @@
           <a:p>
             <a:fld id="{64C6D4AE-1D9C-0E4D-A328-5588C9A34920}" type="datetimeFigureOut">
               <a:rPr lang="en-US" smtClean="0"/>
-              <a:t>8/3/24</a:t>
+              <a:t>8/4/24</a:t>
             </a:fld>
             <a:endParaRPr lang="en-US"/>
           </a:p>
@@ -425,7 +426,7 @@
           <a:p>
             <a:fld id="{64C6D4AE-1D9C-0E4D-A328-5588C9A34920}" type="datetimeFigureOut">
               <a:rPr lang="en-US" smtClean="0"/>
-              <a:t>8/3/24</a:t>
+              <a:t>8/4/24</a:t>
             </a:fld>
             <a:endParaRPr lang="en-US"/>
           </a:p>
@@ -605,7 +606,7 @@
           <a:p>
             <a:fld id="{64C6D4AE-1D9C-0E4D-A328-5588C9A34920}" type="datetimeFigureOut">
               <a:rPr lang="en-US" smtClean="0"/>
-              <a:t>8/3/24</a:t>
+              <a:t>8/4/24</a:t>
             </a:fld>
             <a:endParaRPr lang="en-US"/>
           </a:p>
@@ -775,7 +776,7 @@
           <a:p>
             <a:fld id="{64C6D4AE-1D9C-0E4D-A328-5588C9A34920}" type="datetimeFigureOut">
               <a:rPr lang="en-US" smtClean="0"/>
-              <a:t>8/3/24</a:t>
+              <a:t>8/4/24</a:t>
             </a:fld>
             <a:endParaRPr lang="en-US"/>
           </a:p>
@@ -1021,7 +1022,7 @@
           <a:p>
             <a:fld id="{64C6D4AE-1D9C-0E4D-A328-5588C9A34920}" type="datetimeFigureOut">
               <a:rPr lang="en-US" smtClean="0"/>
-              <a:t>8/3/24</a:t>
+              <a:t>8/4/24</a:t>
             </a:fld>
             <a:endParaRPr lang="en-US"/>
           </a:p>
@@ -1253,7 +1254,7 @@
           <a:p>
             <a:fld id="{64C6D4AE-1D9C-0E4D-A328-5588C9A34920}" type="datetimeFigureOut">
               <a:rPr lang="en-US" smtClean="0"/>
-              <a:t>8/3/24</a:t>
+              <a:t>8/4/24</a:t>
             </a:fld>
             <a:endParaRPr lang="en-US"/>
           </a:p>
@@ -1620,7 +1621,7 @@
           <a:p>
             <a:fld id="{64C6D4AE-1D9C-0E4D-A328-5588C9A34920}" type="datetimeFigureOut">
               <a:rPr lang="en-US" smtClean="0"/>
-              <a:t>8/3/24</a:t>
+              <a:t>8/4/24</a:t>
             </a:fld>
             <a:endParaRPr lang="en-US"/>
           </a:p>
@@ -1738,7 +1739,7 @@
           <a:p>
             <a:fld id="{64C6D4AE-1D9C-0E4D-A328-5588C9A34920}" type="datetimeFigureOut">
               <a:rPr lang="en-US" smtClean="0"/>
-              <a:t>8/3/24</a:t>
+              <a:t>8/4/24</a:t>
             </a:fld>
             <a:endParaRPr lang="en-US"/>
           </a:p>
@@ -1833,7 +1834,7 @@
           <a:p>
             <a:fld id="{64C6D4AE-1D9C-0E4D-A328-5588C9A34920}" type="datetimeFigureOut">
               <a:rPr lang="en-US" smtClean="0"/>
-              <a:t>8/3/24</a:t>
+              <a:t>8/4/24</a:t>
             </a:fld>
             <a:endParaRPr lang="en-US"/>
           </a:p>
@@ -2110,7 +2111,7 @@
           <a:p>
             <a:fld id="{64C6D4AE-1D9C-0E4D-A328-5588C9A34920}" type="datetimeFigureOut">
               <a:rPr lang="en-US" smtClean="0"/>
-              <a:t>8/3/24</a:t>
+              <a:t>8/4/24</a:t>
             </a:fld>
             <a:endParaRPr lang="en-US"/>
           </a:p>
@@ -2367,7 +2368,7 @@
           <a:p>
             <a:fld id="{64C6D4AE-1D9C-0E4D-A328-5588C9A34920}" type="datetimeFigureOut">
               <a:rPr lang="en-US" smtClean="0"/>
-              <a:t>8/3/24</a:t>
+              <a:t>8/4/24</a:t>
             </a:fld>
             <a:endParaRPr lang="en-US"/>
           </a:p>
@@ -2580,7 +2581,7 @@
           <a:p>
             <a:fld id="{64C6D4AE-1D9C-0E4D-A328-5588C9A34920}" type="datetimeFigureOut">
               <a:rPr lang="en-US" smtClean="0"/>
-              <a:t>8/3/24</a:t>
+              <a:t>8/4/24</a:t>
             </a:fld>
             <a:endParaRPr lang="en-US"/>
           </a:p>
@@ -6155,6 +6156,2036 @@
 </p:sld>
 </file>
 
+<file path=ppt/slides/slide3.xml><?xml version="1.0" encoding="utf-8"?>
+<p:sld xmlns:a="http://schemas.openxmlformats.org/drawingml/2006/main" xmlns:r="http://schemas.openxmlformats.org/officeDocument/2006/relationships" xmlns:p="http://schemas.openxmlformats.org/presentationml/2006/main">
+  <p:cSld>
+    <p:spTree>
+      <p:nvGrpSpPr>
+        <p:cNvPr id="1" name=""/>
+        <p:cNvGrpSpPr/>
+        <p:nvPr/>
+      </p:nvGrpSpPr>
+      <p:grpSpPr>
+        <a:xfrm>
+          <a:off x="0" y="0"/>
+          <a:ext cx="0" cy="0"/>
+          <a:chOff x="0" y="0"/>
+          <a:chExt cx="0" cy="0"/>
+        </a:xfrm>
+      </p:grpSpPr>
+      <p:pic>
+        <p:nvPicPr>
+          <p:cNvPr id="52" name="Picture 51" descr="A green square with lines and a black background&#10;&#10;Description automatically generated">
+            <a:extLst>
+              <a:ext uri="{FF2B5EF4-FFF2-40B4-BE49-F238E27FC236}">
+                <a16:creationId xmlns:a16="http://schemas.microsoft.com/office/drawing/2014/main" id="{71EC794F-8FB2-A851-7FB7-3E0041A21D71}"/>
+              </a:ext>
+            </a:extLst>
+          </p:cNvPr>
+          <p:cNvPicPr>
+            <a:picLocks noChangeAspect="1"/>
+          </p:cNvPicPr>
+          <p:nvPr/>
+        </p:nvPicPr>
+        <p:blipFill>
+          <a:blip r:embed="rId2"/>
+          <a:stretch>
+            <a:fillRect/>
+          </a:stretch>
+        </p:blipFill>
+        <p:spPr>
+          <a:xfrm rot="1106363">
+            <a:off x="5531997" y="451864"/>
+            <a:ext cx="325610" cy="497630"/>
+          </a:xfrm>
+          <a:prstGeom prst="rect">
+            <a:avLst/>
+          </a:prstGeom>
+        </p:spPr>
+      </p:pic>
+      <p:pic>
+        <p:nvPicPr>
+          <p:cNvPr id="19" name="Picture 18" descr="A green square with lines and a black background&#10;&#10;Description automatically generated">
+            <a:extLst>
+              <a:ext uri="{FF2B5EF4-FFF2-40B4-BE49-F238E27FC236}">
+                <a16:creationId xmlns:a16="http://schemas.microsoft.com/office/drawing/2014/main" id="{0A09C35E-BBB1-A2E0-C198-B448308CE5CC}"/>
+              </a:ext>
+            </a:extLst>
+          </p:cNvPr>
+          <p:cNvPicPr>
+            <a:picLocks noChangeAspect="1"/>
+          </p:cNvPicPr>
+          <p:nvPr/>
+        </p:nvPicPr>
+        <p:blipFill>
+          <a:blip r:embed="rId2"/>
+          <a:stretch>
+            <a:fillRect/>
+          </a:stretch>
+        </p:blipFill>
+        <p:spPr>
+          <a:xfrm rot="18560718">
+            <a:off x="3844812" y="1242693"/>
+            <a:ext cx="325610" cy="497630"/>
+          </a:xfrm>
+          <a:prstGeom prst="rect">
+            <a:avLst/>
+          </a:prstGeom>
+        </p:spPr>
+      </p:pic>
+      <p:pic>
+        <p:nvPicPr>
+          <p:cNvPr id="3" name="Picture 2">
+            <a:extLst>
+              <a:ext uri="{FF2B5EF4-FFF2-40B4-BE49-F238E27FC236}">
+                <a16:creationId xmlns:a16="http://schemas.microsoft.com/office/drawing/2014/main" id="{EB3B37F2-F366-3A0F-A835-B83BF4ECE54E}"/>
+              </a:ext>
+            </a:extLst>
+          </p:cNvPr>
+          <p:cNvPicPr>
+            <a:picLocks noChangeAspect="1"/>
+          </p:cNvPicPr>
+          <p:nvPr/>
+        </p:nvPicPr>
+        <p:blipFill>
+          <a:blip r:embed="rId3">
+            <a:alphaModFix amt="62000"/>
+          </a:blip>
+          <a:stretch>
+            <a:fillRect/>
+          </a:stretch>
+        </p:blipFill>
+        <p:spPr>
+          <a:xfrm>
+            <a:off x="386493" y="550765"/>
+            <a:ext cx="2420786" cy="1970201"/>
+          </a:xfrm>
+          <a:prstGeom prst="rect">
+            <a:avLst/>
+          </a:prstGeom>
+        </p:spPr>
+      </p:pic>
+      <p:pic>
+        <p:nvPicPr>
+          <p:cNvPr id="5" name="Picture 4" descr="A yellow bomb with black background&#10;&#10;Description automatically generated with medium confidence">
+            <a:extLst>
+              <a:ext uri="{FF2B5EF4-FFF2-40B4-BE49-F238E27FC236}">
+                <a16:creationId xmlns:a16="http://schemas.microsoft.com/office/drawing/2014/main" id="{CBA885BF-DEFD-7CF7-2FAB-BE389A23E8F8}"/>
+              </a:ext>
+            </a:extLst>
+          </p:cNvPr>
+          <p:cNvPicPr>
+            <a:picLocks noChangeAspect="1"/>
+          </p:cNvPicPr>
+          <p:nvPr/>
+        </p:nvPicPr>
+        <p:blipFill>
+          <a:blip r:embed="rId4"/>
+          <a:stretch>
+            <a:fillRect/>
+          </a:stretch>
+        </p:blipFill>
+        <p:spPr>
+          <a:xfrm rot="20133837">
+            <a:off x="737293" y="1484348"/>
+            <a:ext cx="386864" cy="386864"/>
+          </a:xfrm>
+          <a:prstGeom prst="rect">
+            <a:avLst/>
+          </a:prstGeom>
+        </p:spPr>
+      </p:pic>
+      <p:pic>
+        <p:nvPicPr>
+          <p:cNvPr id="6" name="Picture 5">
+            <a:extLst>
+              <a:ext uri="{FF2B5EF4-FFF2-40B4-BE49-F238E27FC236}">
+                <a16:creationId xmlns:a16="http://schemas.microsoft.com/office/drawing/2014/main" id="{B0FB6654-EF3A-0C03-58B7-BB58ACCDDA02}"/>
+              </a:ext>
+            </a:extLst>
+          </p:cNvPr>
+          <p:cNvPicPr>
+            <a:picLocks noChangeAspect="1"/>
+          </p:cNvPicPr>
+          <p:nvPr/>
+        </p:nvPicPr>
+        <p:blipFill>
+          <a:blip r:embed="rId5"/>
+          <a:stretch>
+            <a:fillRect/>
+          </a:stretch>
+        </p:blipFill>
+        <p:spPr>
+          <a:xfrm>
+            <a:off x="4260870" y="878835"/>
+            <a:ext cx="1658797" cy="1658797"/>
+          </a:xfrm>
+          <a:prstGeom prst="rect">
+            <a:avLst/>
+          </a:prstGeom>
+        </p:spPr>
+      </p:pic>
+      <p:pic>
+        <p:nvPicPr>
+          <p:cNvPr id="7" name="Picture 6">
+            <a:extLst>
+              <a:ext uri="{FF2B5EF4-FFF2-40B4-BE49-F238E27FC236}">
+                <a16:creationId xmlns:a16="http://schemas.microsoft.com/office/drawing/2014/main" id="{BB80CAEA-B005-5F1B-A533-F6188E10B60D}"/>
+              </a:ext>
+            </a:extLst>
+          </p:cNvPr>
+          <p:cNvPicPr>
+            <a:picLocks noChangeAspect="1"/>
+          </p:cNvPicPr>
+          <p:nvPr/>
+        </p:nvPicPr>
+        <p:blipFill>
+          <a:blip r:embed="rId6"/>
+          <a:stretch>
+            <a:fillRect/>
+          </a:stretch>
+        </p:blipFill>
+        <p:spPr>
+          <a:xfrm rot="1974818">
+            <a:off x="4202210" y="2216573"/>
+            <a:ext cx="420215" cy="420215"/>
+          </a:xfrm>
+          <a:prstGeom prst="rect">
+            <a:avLst/>
+          </a:prstGeom>
+        </p:spPr>
+      </p:pic>
+      <p:sp>
+        <p:nvSpPr>
+          <p:cNvPr id="28" name="Triangle 27">
+            <a:extLst>
+              <a:ext uri="{FF2B5EF4-FFF2-40B4-BE49-F238E27FC236}">
+                <a16:creationId xmlns:a16="http://schemas.microsoft.com/office/drawing/2014/main" id="{D1051522-ED85-C262-A311-786A6F344A61}"/>
+              </a:ext>
+            </a:extLst>
+          </p:cNvPr>
+          <p:cNvSpPr/>
+          <p:nvPr/>
+        </p:nvSpPr>
+        <p:spPr>
+          <a:xfrm>
+            <a:off x="1119023" y="1548764"/>
+            <a:ext cx="98038" cy="84516"/>
+          </a:xfrm>
+          <a:prstGeom prst="triangle">
+            <a:avLst/>
+          </a:prstGeom>
+          <a:solidFill>
+            <a:schemeClr val="accent5"/>
+          </a:solidFill>
+          <a:ln>
+            <a:solidFill>
+              <a:schemeClr val="accent5"/>
+            </a:solidFill>
+          </a:ln>
+        </p:spPr>
+        <p:style>
+          <a:lnRef idx="2">
+            <a:schemeClr val="accent1">
+              <a:shade val="15000"/>
+            </a:schemeClr>
+          </a:lnRef>
+          <a:fillRef idx="1">
+            <a:schemeClr val="accent1"/>
+          </a:fillRef>
+          <a:effectRef idx="0">
+            <a:schemeClr val="accent1"/>
+          </a:effectRef>
+          <a:fontRef idx="minor">
+            <a:schemeClr val="lt1"/>
+          </a:fontRef>
+        </p:style>
+        <p:txBody>
+          <a:bodyPr rtlCol="0" anchor="ctr"/>
+          <a:lstStyle/>
+          <a:p>
+            <a:pPr algn="ctr"/>
+            <a:endParaRPr lang="en-US"/>
+          </a:p>
+        </p:txBody>
+      </p:sp>
+      <p:sp>
+        <p:nvSpPr>
+          <p:cNvPr id="29" name="Oval 28">
+            <a:extLst>
+              <a:ext uri="{FF2B5EF4-FFF2-40B4-BE49-F238E27FC236}">
+                <a16:creationId xmlns:a16="http://schemas.microsoft.com/office/drawing/2014/main" id="{33C60B8A-28F7-F5E5-1E30-52EF49F70E62}"/>
+              </a:ext>
+            </a:extLst>
+          </p:cNvPr>
+          <p:cNvSpPr/>
+          <p:nvPr/>
+        </p:nvSpPr>
+        <p:spPr>
+          <a:xfrm>
+            <a:off x="1257983" y="1235233"/>
+            <a:ext cx="72223" cy="72223"/>
+          </a:xfrm>
+          <a:prstGeom prst="ellipse">
+            <a:avLst/>
+          </a:prstGeom>
+          <a:ln>
+            <a:solidFill>
+              <a:schemeClr val="accent5"/>
+            </a:solidFill>
+          </a:ln>
+        </p:spPr>
+        <p:style>
+          <a:lnRef idx="2">
+            <a:schemeClr val="accent5">
+              <a:shade val="15000"/>
+            </a:schemeClr>
+          </a:lnRef>
+          <a:fillRef idx="1">
+            <a:schemeClr val="accent5"/>
+          </a:fillRef>
+          <a:effectRef idx="0">
+            <a:schemeClr val="accent5"/>
+          </a:effectRef>
+          <a:fontRef idx="minor">
+            <a:schemeClr val="lt1"/>
+          </a:fontRef>
+        </p:style>
+        <p:txBody>
+          <a:bodyPr rtlCol="0" anchor="ctr"/>
+          <a:lstStyle/>
+          <a:p>
+            <a:pPr algn="ctr"/>
+            <a:endParaRPr lang="en-US"/>
+          </a:p>
+        </p:txBody>
+      </p:sp>
+      <p:sp>
+        <p:nvSpPr>
+          <p:cNvPr id="33" name="Oval 32">
+            <a:extLst>
+              <a:ext uri="{FF2B5EF4-FFF2-40B4-BE49-F238E27FC236}">
+                <a16:creationId xmlns:a16="http://schemas.microsoft.com/office/drawing/2014/main" id="{9741938F-9835-DA75-52EC-EF997FF741FB}"/>
+              </a:ext>
+            </a:extLst>
+          </p:cNvPr>
+          <p:cNvSpPr/>
+          <p:nvPr/>
+        </p:nvSpPr>
+        <p:spPr>
+          <a:xfrm>
+            <a:off x="1550207" y="985162"/>
+            <a:ext cx="72223" cy="72223"/>
+          </a:xfrm>
+          <a:prstGeom prst="ellipse">
+            <a:avLst/>
+          </a:prstGeom>
+          <a:ln>
+            <a:solidFill>
+              <a:schemeClr val="accent5"/>
+            </a:solidFill>
+          </a:ln>
+        </p:spPr>
+        <p:style>
+          <a:lnRef idx="2">
+            <a:schemeClr val="accent5">
+              <a:shade val="15000"/>
+            </a:schemeClr>
+          </a:lnRef>
+          <a:fillRef idx="1">
+            <a:schemeClr val="accent5"/>
+          </a:fillRef>
+          <a:effectRef idx="0">
+            <a:schemeClr val="accent5"/>
+          </a:effectRef>
+          <a:fontRef idx="minor">
+            <a:schemeClr val="lt1"/>
+          </a:fontRef>
+        </p:style>
+        <p:txBody>
+          <a:bodyPr rtlCol="0" anchor="ctr"/>
+          <a:lstStyle/>
+          <a:p>
+            <a:pPr algn="ctr"/>
+            <a:endParaRPr lang="en-US"/>
+          </a:p>
+        </p:txBody>
+      </p:sp>
+      <p:sp>
+        <p:nvSpPr>
+          <p:cNvPr id="36" name="Oval 35">
+            <a:extLst>
+              <a:ext uri="{FF2B5EF4-FFF2-40B4-BE49-F238E27FC236}">
+                <a16:creationId xmlns:a16="http://schemas.microsoft.com/office/drawing/2014/main" id="{8750FB60-3250-8C7A-D3F5-80B4FF2EE389}"/>
+              </a:ext>
+            </a:extLst>
+          </p:cNvPr>
+          <p:cNvSpPr/>
+          <p:nvPr/>
+        </p:nvSpPr>
+        <p:spPr>
+          <a:xfrm>
+            <a:off x="1439961" y="1633280"/>
+            <a:ext cx="72223" cy="72223"/>
+          </a:xfrm>
+          <a:prstGeom prst="ellipse">
+            <a:avLst/>
+          </a:prstGeom>
+          <a:ln>
+            <a:solidFill>
+              <a:schemeClr val="accent5"/>
+            </a:solidFill>
+          </a:ln>
+        </p:spPr>
+        <p:style>
+          <a:lnRef idx="2">
+            <a:schemeClr val="accent5">
+              <a:shade val="15000"/>
+            </a:schemeClr>
+          </a:lnRef>
+          <a:fillRef idx="1">
+            <a:schemeClr val="accent5"/>
+          </a:fillRef>
+          <a:effectRef idx="0">
+            <a:schemeClr val="accent5"/>
+          </a:effectRef>
+          <a:fontRef idx="minor">
+            <a:schemeClr val="lt1"/>
+          </a:fontRef>
+        </p:style>
+        <p:txBody>
+          <a:bodyPr rtlCol="0" anchor="ctr"/>
+          <a:lstStyle/>
+          <a:p>
+            <a:pPr algn="ctr"/>
+            <a:endParaRPr lang="en-US"/>
+          </a:p>
+        </p:txBody>
+      </p:sp>
+      <p:sp>
+        <p:nvSpPr>
+          <p:cNvPr id="37" name="Oval 36">
+            <a:extLst>
+              <a:ext uri="{FF2B5EF4-FFF2-40B4-BE49-F238E27FC236}">
+                <a16:creationId xmlns:a16="http://schemas.microsoft.com/office/drawing/2014/main" id="{986420C6-0A20-D2EF-0FC9-6B4A67332C9D}"/>
+              </a:ext>
+            </a:extLst>
+          </p:cNvPr>
+          <p:cNvSpPr/>
+          <p:nvPr/>
+        </p:nvSpPr>
+        <p:spPr>
+          <a:xfrm>
+            <a:off x="1586318" y="1942184"/>
+            <a:ext cx="72223" cy="72223"/>
+          </a:xfrm>
+          <a:prstGeom prst="ellipse">
+            <a:avLst/>
+          </a:prstGeom>
+          <a:ln>
+            <a:solidFill>
+              <a:schemeClr val="accent5"/>
+            </a:solidFill>
+          </a:ln>
+        </p:spPr>
+        <p:style>
+          <a:lnRef idx="2">
+            <a:schemeClr val="accent5">
+              <a:shade val="15000"/>
+            </a:schemeClr>
+          </a:lnRef>
+          <a:fillRef idx="1">
+            <a:schemeClr val="accent5"/>
+          </a:fillRef>
+          <a:effectRef idx="0">
+            <a:schemeClr val="accent5"/>
+          </a:effectRef>
+          <a:fontRef idx="minor">
+            <a:schemeClr val="lt1"/>
+          </a:fontRef>
+        </p:style>
+        <p:txBody>
+          <a:bodyPr rtlCol="0" anchor="ctr"/>
+          <a:lstStyle/>
+          <a:p>
+            <a:pPr algn="ctr"/>
+            <a:endParaRPr lang="en-US"/>
+          </a:p>
+        </p:txBody>
+      </p:sp>
+      <p:sp>
+        <p:nvSpPr>
+          <p:cNvPr id="39" name="Oval 38">
+            <a:extLst>
+              <a:ext uri="{FF2B5EF4-FFF2-40B4-BE49-F238E27FC236}">
+                <a16:creationId xmlns:a16="http://schemas.microsoft.com/office/drawing/2014/main" id="{3C5EA555-A682-888F-D907-681E2B5C7BCC}"/>
+              </a:ext>
+            </a:extLst>
+          </p:cNvPr>
+          <p:cNvSpPr/>
+          <p:nvPr/>
+        </p:nvSpPr>
+        <p:spPr>
+          <a:xfrm>
+            <a:off x="2158278" y="1927490"/>
+            <a:ext cx="72223" cy="72223"/>
+          </a:xfrm>
+          <a:prstGeom prst="ellipse">
+            <a:avLst/>
+          </a:prstGeom>
+          <a:ln>
+            <a:solidFill>
+              <a:schemeClr val="accent5"/>
+            </a:solidFill>
+          </a:ln>
+        </p:spPr>
+        <p:style>
+          <a:lnRef idx="2">
+            <a:schemeClr val="accent5">
+              <a:shade val="15000"/>
+            </a:schemeClr>
+          </a:lnRef>
+          <a:fillRef idx="1">
+            <a:schemeClr val="accent5"/>
+          </a:fillRef>
+          <a:effectRef idx="0">
+            <a:schemeClr val="accent5"/>
+          </a:effectRef>
+          <a:fontRef idx="minor">
+            <a:schemeClr val="lt1"/>
+          </a:fontRef>
+        </p:style>
+        <p:txBody>
+          <a:bodyPr rtlCol="0" anchor="ctr"/>
+          <a:lstStyle/>
+          <a:p>
+            <a:pPr algn="ctr"/>
+            <a:endParaRPr lang="en-US"/>
+          </a:p>
+        </p:txBody>
+      </p:sp>
+      <p:sp>
+        <p:nvSpPr>
+          <p:cNvPr id="40" name="Oval 39">
+            <a:extLst>
+              <a:ext uri="{FF2B5EF4-FFF2-40B4-BE49-F238E27FC236}">
+                <a16:creationId xmlns:a16="http://schemas.microsoft.com/office/drawing/2014/main" id="{C670E8BF-A192-3A7A-332A-00B1291D7968}"/>
+              </a:ext>
+            </a:extLst>
+          </p:cNvPr>
+          <p:cNvSpPr/>
+          <p:nvPr/>
+        </p:nvSpPr>
+        <p:spPr>
+          <a:xfrm>
+            <a:off x="1877501" y="1199640"/>
+            <a:ext cx="72223" cy="72223"/>
+          </a:xfrm>
+          <a:prstGeom prst="ellipse">
+            <a:avLst/>
+          </a:prstGeom>
+          <a:ln>
+            <a:solidFill>
+              <a:schemeClr val="accent5"/>
+            </a:solidFill>
+          </a:ln>
+        </p:spPr>
+        <p:style>
+          <a:lnRef idx="2">
+            <a:schemeClr val="accent5">
+              <a:shade val="15000"/>
+            </a:schemeClr>
+          </a:lnRef>
+          <a:fillRef idx="1">
+            <a:schemeClr val="accent5"/>
+          </a:fillRef>
+          <a:effectRef idx="0">
+            <a:schemeClr val="accent5"/>
+          </a:effectRef>
+          <a:fontRef idx="minor">
+            <a:schemeClr val="lt1"/>
+          </a:fontRef>
+        </p:style>
+        <p:txBody>
+          <a:bodyPr rtlCol="0" anchor="ctr"/>
+          <a:lstStyle/>
+          <a:p>
+            <a:pPr algn="ctr"/>
+            <a:endParaRPr lang="en-US"/>
+          </a:p>
+        </p:txBody>
+      </p:sp>
+      <p:cxnSp>
+        <p:nvCxnSpPr>
+          <p:cNvPr id="41" name="Straight Arrow Connector 40">
+            <a:extLst>
+              <a:ext uri="{FF2B5EF4-FFF2-40B4-BE49-F238E27FC236}">
+                <a16:creationId xmlns:a16="http://schemas.microsoft.com/office/drawing/2014/main" id="{CEC6F86B-5394-4B7D-0644-24DE18595FF8}"/>
+              </a:ext>
+            </a:extLst>
+          </p:cNvPr>
+          <p:cNvCxnSpPr>
+            <a:cxnSpLocks/>
+          </p:cNvCxnSpPr>
+          <p:nvPr/>
+        </p:nvCxnSpPr>
+        <p:spPr>
+          <a:xfrm>
+            <a:off x="1194681" y="1664425"/>
+            <a:ext cx="222900" cy="36112"/>
+          </a:xfrm>
+          <a:prstGeom prst="straightConnector1">
+            <a:avLst/>
+          </a:prstGeom>
+          <a:ln>
+            <a:solidFill>
+              <a:schemeClr val="accent2"/>
+            </a:solidFill>
+            <a:tailEnd type="triangle"/>
+          </a:ln>
+        </p:spPr>
+        <p:style>
+          <a:lnRef idx="2">
+            <a:schemeClr val="accent1"/>
+          </a:lnRef>
+          <a:fillRef idx="0">
+            <a:schemeClr val="accent1"/>
+          </a:fillRef>
+          <a:effectRef idx="1">
+            <a:schemeClr val="accent1"/>
+          </a:effectRef>
+          <a:fontRef idx="minor">
+            <a:schemeClr val="tx1"/>
+          </a:fontRef>
+        </p:style>
+      </p:cxnSp>
+      <p:cxnSp>
+        <p:nvCxnSpPr>
+          <p:cNvPr id="44" name="Straight Arrow Connector 43">
+            <a:extLst>
+              <a:ext uri="{FF2B5EF4-FFF2-40B4-BE49-F238E27FC236}">
+                <a16:creationId xmlns:a16="http://schemas.microsoft.com/office/drawing/2014/main" id="{3853F11B-F302-8261-4E20-CCD53B7FE9F4}"/>
+              </a:ext>
+            </a:extLst>
+          </p:cNvPr>
+          <p:cNvCxnSpPr>
+            <a:cxnSpLocks/>
+          </p:cNvCxnSpPr>
+          <p:nvPr/>
+        </p:nvCxnSpPr>
+        <p:spPr>
+          <a:xfrm>
+            <a:off x="1509228" y="1719229"/>
+            <a:ext cx="104274" cy="210710"/>
+          </a:xfrm>
+          <a:prstGeom prst="straightConnector1">
+            <a:avLst/>
+          </a:prstGeom>
+          <a:ln>
+            <a:solidFill>
+              <a:schemeClr val="accent2"/>
+            </a:solidFill>
+            <a:tailEnd type="triangle"/>
+          </a:ln>
+        </p:spPr>
+        <p:style>
+          <a:lnRef idx="2">
+            <a:schemeClr val="accent1"/>
+          </a:lnRef>
+          <a:fillRef idx="0">
+            <a:schemeClr val="accent1"/>
+          </a:fillRef>
+          <a:effectRef idx="1">
+            <a:schemeClr val="accent1"/>
+          </a:effectRef>
+          <a:fontRef idx="minor">
+            <a:schemeClr val="tx1"/>
+          </a:fontRef>
+        </p:style>
+      </p:cxnSp>
+      <p:cxnSp>
+        <p:nvCxnSpPr>
+          <p:cNvPr id="46" name="Straight Arrow Connector 45">
+            <a:extLst>
+              <a:ext uri="{FF2B5EF4-FFF2-40B4-BE49-F238E27FC236}">
+                <a16:creationId xmlns:a16="http://schemas.microsoft.com/office/drawing/2014/main" id="{B46FD576-B53D-D254-FEA6-FE3F2AE28674}"/>
+              </a:ext>
+            </a:extLst>
+          </p:cNvPr>
+          <p:cNvCxnSpPr>
+            <a:cxnSpLocks/>
+          </p:cNvCxnSpPr>
+          <p:nvPr/>
+        </p:nvCxnSpPr>
+        <p:spPr>
+          <a:xfrm flipV="1">
+            <a:off x="1701853" y="1978295"/>
+            <a:ext cx="440012" cy="16439"/>
+          </a:xfrm>
+          <a:prstGeom prst="straightConnector1">
+            <a:avLst/>
+          </a:prstGeom>
+          <a:ln>
+            <a:solidFill>
+              <a:schemeClr val="accent2"/>
+            </a:solidFill>
+            <a:tailEnd type="triangle"/>
+          </a:ln>
+        </p:spPr>
+        <p:style>
+          <a:lnRef idx="2">
+            <a:schemeClr val="accent1"/>
+          </a:lnRef>
+          <a:fillRef idx="0">
+            <a:schemeClr val="accent1"/>
+          </a:fillRef>
+          <a:effectRef idx="1">
+            <a:schemeClr val="accent1"/>
+          </a:effectRef>
+          <a:fontRef idx="minor">
+            <a:schemeClr val="tx1"/>
+          </a:fontRef>
+        </p:style>
+      </p:cxnSp>
+      <p:sp>
+        <p:nvSpPr>
+          <p:cNvPr id="49" name="Oval 48">
+            <a:extLst>
+              <a:ext uri="{FF2B5EF4-FFF2-40B4-BE49-F238E27FC236}">
+                <a16:creationId xmlns:a16="http://schemas.microsoft.com/office/drawing/2014/main" id="{74794492-64FF-EF3B-1E8A-3EE4897E37D8}"/>
+              </a:ext>
+            </a:extLst>
+          </p:cNvPr>
+          <p:cNvSpPr/>
+          <p:nvPr/>
+        </p:nvSpPr>
+        <p:spPr>
+          <a:xfrm>
+            <a:off x="2047721" y="1607024"/>
+            <a:ext cx="72223" cy="72223"/>
+          </a:xfrm>
+          <a:prstGeom prst="ellipse">
+            <a:avLst/>
+          </a:prstGeom>
+          <a:ln>
+            <a:solidFill>
+              <a:schemeClr val="accent5"/>
+            </a:solidFill>
+          </a:ln>
+        </p:spPr>
+        <p:style>
+          <a:lnRef idx="2">
+            <a:schemeClr val="accent5">
+              <a:shade val="15000"/>
+            </a:schemeClr>
+          </a:lnRef>
+          <a:fillRef idx="1">
+            <a:schemeClr val="accent5"/>
+          </a:fillRef>
+          <a:effectRef idx="0">
+            <a:schemeClr val="accent5"/>
+          </a:effectRef>
+          <a:fontRef idx="minor">
+            <a:schemeClr val="lt1"/>
+          </a:fontRef>
+        </p:style>
+        <p:txBody>
+          <a:bodyPr rtlCol="0" anchor="ctr"/>
+          <a:lstStyle/>
+          <a:p>
+            <a:pPr algn="ctr"/>
+            <a:endParaRPr lang="en-US"/>
+          </a:p>
+        </p:txBody>
+      </p:sp>
+      <p:cxnSp>
+        <p:nvCxnSpPr>
+          <p:cNvPr id="51" name="Straight Arrow Connector 50">
+            <a:extLst>
+              <a:ext uri="{FF2B5EF4-FFF2-40B4-BE49-F238E27FC236}">
+                <a16:creationId xmlns:a16="http://schemas.microsoft.com/office/drawing/2014/main" id="{CA898927-700B-2CD1-AABE-22D92F524896}"/>
+              </a:ext>
+            </a:extLst>
+          </p:cNvPr>
+          <p:cNvCxnSpPr>
+            <a:cxnSpLocks/>
+          </p:cNvCxnSpPr>
+          <p:nvPr/>
+        </p:nvCxnSpPr>
+        <p:spPr>
+          <a:xfrm flipH="1" flipV="1">
+            <a:off x="2110125" y="1708369"/>
+            <a:ext cx="63481" cy="197267"/>
+          </a:xfrm>
+          <a:prstGeom prst="straightConnector1">
+            <a:avLst/>
+          </a:prstGeom>
+          <a:ln>
+            <a:solidFill>
+              <a:schemeClr val="accent2"/>
+            </a:solidFill>
+            <a:tailEnd type="triangle"/>
+          </a:ln>
+        </p:spPr>
+        <p:style>
+          <a:lnRef idx="2">
+            <a:schemeClr val="accent1"/>
+          </a:lnRef>
+          <a:fillRef idx="0">
+            <a:schemeClr val="accent1"/>
+          </a:fillRef>
+          <a:effectRef idx="1">
+            <a:schemeClr val="accent1"/>
+          </a:effectRef>
+          <a:fontRef idx="minor">
+            <a:schemeClr val="tx1"/>
+          </a:fontRef>
+        </p:style>
+      </p:cxnSp>
+      <p:cxnSp>
+        <p:nvCxnSpPr>
+          <p:cNvPr id="53" name="Straight Arrow Connector 52">
+            <a:extLst>
+              <a:ext uri="{FF2B5EF4-FFF2-40B4-BE49-F238E27FC236}">
+                <a16:creationId xmlns:a16="http://schemas.microsoft.com/office/drawing/2014/main" id="{FBBDA2D4-5891-DD6B-2B96-B06EA984CFAC}"/>
+              </a:ext>
+            </a:extLst>
+          </p:cNvPr>
+          <p:cNvCxnSpPr>
+            <a:cxnSpLocks/>
+          </p:cNvCxnSpPr>
+          <p:nvPr/>
+        </p:nvCxnSpPr>
+        <p:spPr>
+          <a:xfrm flipH="1" flipV="1">
+            <a:off x="1958673" y="1303861"/>
+            <a:ext cx="117258" cy="273183"/>
+          </a:xfrm>
+          <a:prstGeom prst="straightConnector1">
+            <a:avLst/>
+          </a:prstGeom>
+          <a:ln>
+            <a:solidFill>
+              <a:schemeClr val="accent2"/>
+            </a:solidFill>
+            <a:tailEnd type="triangle"/>
+          </a:ln>
+        </p:spPr>
+        <p:style>
+          <a:lnRef idx="2">
+            <a:schemeClr val="accent1"/>
+          </a:lnRef>
+          <a:fillRef idx="0">
+            <a:schemeClr val="accent1"/>
+          </a:fillRef>
+          <a:effectRef idx="1">
+            <a:schemeClr val="accent1"/>
+          </a:effectRef>
+          <a:fontRef idx="minor">
+            <a:schemeClr val="tx1"/>
+          </a:fontRef>
+        </p:style>
+      </p:cxnSp>
+      <p:cxnSp>
+        <p:nvCxnSpPr>
+          <p:cNvPr id="56" name="Straight Arrow Connector 55">
+            <a:extLst>
+              <a:ext uri="{FF2B5EF4-FFF2-40B4-BE49-F238E27FC236}">
+                <a16:creationId xmlns:a16="http://schemas.microsoft.com/office/drawing/2014/main" id="{60A0D7B0-4941-A0DD-C3BF-A3705512DFC9}"/>
+              </a:ext>
+            </a:extLst>
+          </p:cNvPr>
+          <p:cNvCxnSpPr>
+            <a:cxnSpLocks/>
+          </p:cNvCxnSpPr>
+          <p:nvPr/>
+        </p:nvCxnSpPr>
+        <p:spPr>
+          <a:xfrm flipH="1" flipV="1">
+            <a:off x="1636966" y="1053336"/>
+            <a:ext cx="240535" cy="139919"/>
+          </a:xfrm>
+          <a:prstGeom prst="straightConnector1">
+            <a:avLst/>
+          </a:prstGeom>
+          <a:ln>
+            <a:solidFill>
+              <a:schemeClr val="accent2"/>
+            </a:solidFill>
+            <a:tailEnd type="triangle"/>
+          </a:ln>
+        </p:spPr>
+        <p:style>
+          <a:lnRef idx="2">
+            <a:schemeClr val="accent1"/>
+          </a:lnRef>
+          <a:fillRef idx="0">
+            <a:schemeClr val="accent1"/>
+          </a:fillRef>
+          <a:effectRef idx="1">
+            <a:schemeClr val="accent1"/>
+          </a:effectRef>
+          <a:fontRef idx="minor">
+            <a:schemeClr val="tx1"/>
+          </a:fontRef>
+        </p:style>
+      </p:cxnSp>
+      <p:cxnSp>
+        <p:nvCxnSpPr>
+          <p:cNvPr id="58" name="Straight Arrow Connector 57">
+            <a:extLst>
+              <a:ext uri="{FF2B5EF4-FFF2-40B4-BE49-F238E27FC236}">
+                <a16:creationId xmlns:a16="http://schemas.microsoft.com/office/drawing/2014/main" id="{7DD7D4D9-C5AD-8B94-0ECB-8704B6ECB986}"/>
+              </a:ext>
+            </a:extLst>
+          </p:cNvPr>
+          <p:cNvCxnSpPr>
+            <a:cxnSpLocks/>
+          </p:cNvCxnSpPr>
+          <p:nvPr/>
+        </p:nvCxnSpPr>
+        <p:spPr>
+          <a:xfrm flipH="1">
+            <a:off x="1326909" y="1041725"/>
+            <a:ext cx="212827" cy="166946"/>
+          </a:xfrm>
+          <a:prstGeom prst="straightConnector1">
+            <a:avLst/>
+          </a:prstGeom>
+          <a:ln>
+            <a:solidFill>
+              <a:schemeClr val="accent2"/>
+            </a:solidFill>
+            <a:tailEnd type="triangle"/>
+          </a:ln>
+        </p:spPr>
+        <p:style>
+          <a:lnRef idx="2">
+            <a:schemeClr val="accent1"/>
+          </a:lnRef>
+          <a:fillRef idx="0">
+            <a:schemeClr val="accent1"/>
+          </a:fillRef>
+          <a:effectRef idx="1">
+            <a:schemeClr val="accent1"/>
+          </a:effectRef>
+          <a:fontRef idx="minor">
+            <a:schemeClr val="tx1"/>
+          </a:fontRef>
+        </p:style>
+      </p:cxnSp>
+      <p:cxnSp>
+        <p:nvCxnSpPr>
+          <p:cNvPr id="60" name="Straight Arrow Connector 59">
+            <a:extLst>
+              <a:ext uri="{FF2B5EF4-FFF2-40B4-BE49-F238E27FC236}">
+                <a16:creationId xmlns:a16="http://schemas.microsoft.com/office/drawing/2014/main" id="{81505D97-31E2-0018-32B8-407A312249F8}"/>
+              </a:ext>
+            </a:extLst>
+          </p:cNvPr>
+          <p:cNvCxnSpPr>
+            <a:cxnSpLocks/>
+          </p:cNvCxnSpPr>
+          <p:nvPr/>
+        </p:nvCxnSpPr>
+        <p:spPr>
+          <a:xfrm flipH="1">
+            <a:off x="1214866" y="1334018"/>
+            <a:ext cx="40261" cy="221973"/>
+          </a:xfrm>
+          <a:prstGeom prst="straightConnector1">
+            <a:avLst/>
+          </a:prstGeom>
+          <a:ln>
+            <a:solidFill>
+              <a:schemeClr val="accent2"/>
+            </a:solidFill>
+            <a:tailEnd type="triangle"/>
+          </a:ln>
+        </p:spPr>
+        <p:style>
+          <a:lnRef idx="2">
+            <a:schemeClr val="accent1"/>
+          </a:lnRef>
+          <a:fillRef idx="0">
+            <a:schemeClr val="accent1"/>
+          </a:fillRef>
+          <a:effectRef idx="1">
+            <a:schemeClr val="accent1"/>
+          </a:effectRef>
+          <a:fontRef idx="minor">
+            <a:schemeClr val="tx1"/>
+          </a:fontRef>
+        </p:style>
+      </p:cxnSp>
+      <p:sp>
+        <p:nvSpPr>
+          <p:cNvPr id="1038" name="Oval 1037">
+            <a:extLst>
+              <a:ext uri="{FF2B5EF4-FFF2-40B4-BE49-F238E27FC236}">
+                <a16:creationId xmlns:a16="http://schemas.microsoft.com/office/drawing/2014/main" id="{1B7D1811-B375-FC55-4C70-200B743B072B}"/>
+              </a:ext>
+            </a:extLst>
+          </p:cNvPr>
+          <p:cNvSpPr/>
+          <p:nvPr/>
+        </p:nvSpPr>
+        <p:spPr>
+          <a:xfrm flipH="1">
+            <a:off x="3806163" y="1323245"/>
+            <a:ext cx="45719" cy="45719"/>
+          </a:xfrm>
+          <a:prstGeom prst="ellipse">
+            <a:avLst/>
+          </a:prstGeom>
+          <a:ln>
+            <a:solidFill>
+              <a:schemeClr val="accent5"/>
+            </a:solidFill>
+          </a:ln>
+        </p:spPr>
+        <p:style>
+          <a:lnRef idx="2">
+            <a:schemeClr val="accent5">
+              <a:shade val="15000"/>
+            </a:schemeClr>
+          </a:lnRef>
+          <a:fillRef idx="1">
+            <a:schemeClr val="accent5"/>
+          </a:fillRef>
+          <a:effectRef idx="0">
+            <a:schemeClr val="accent5"/>
+          </a:effectRef>
+          <a:fontRef idx="minor">
+            <a:schemeClr val="lt1"/>
+          </a:fontRef>
+        </p:style>
+        <p:txBody>
+          <a:bodyPr rtlCol="0" anchor="ctr"/>
+          <a:lstStyle/>
+          <a:p>
+            <a:pPr algn="ctr"/>
+            <a:endParaRPr lang="en-US"/>
+          </a:p>
+        </p:txBody>
+      </p:sp>
+      <p:pic>
+        <p:nvPicPr>
+          <p:cNvPr id="21" name="Picture 20" descr="A green square with lines and a black background&#10;&#10;Description automatically generated">
+            <a:extLst>
+              <a:ext uri="{FF2B5EF4-FFF2-40B4-BE49-F238E27FC236}">
+                <a16:creationId xmlns:a16="http://schemas.microsoft.com/office/drawing/2014/main" id="{A0C5F89F-6547-CD01-84FE-CDC65C72D290}"/>
+              </a:ext>
+            </a:extLst>
+          </p:cNvPr>
+          <p:cNvPicPr>
+            <a:picLocks noChangeAspect="1"/>
+          </p:cNvPicPr>
+          <p:nvPr/>
+        </p:nvPicPr>
+        <p:blipFill>
+          <a:blip r:embed="rId2"/>
+          <a:stretch>
+            <a:fillRect/>
+          </a:stretch>
+        </p:blipFill>
+        <p:spPr>
+          <a:xfrm rot="16853875">
+            <a:off x="3845389" y="953489"/>
+            <a:ext cx="325610" cy="497630"/>
+          </a:xfrm>
+          <a:prstGeom prst="rect">
+            <a:avLst/>
+          </a:prstGeom>
+        </p:spPr>
+      </p:pic>
+      <p:sp>
+        <p:nvSpPr>
+          <p:cNvPr id="22" name="Oval 21">
+            <a:extLst>
+              <a:ext uri="{FF2B5EF4-FFF2-40B4-BE49-F238E27FC236}">
+                <a16:creationId xmlns:a16="http://schemas.microsoft.com/office/drawing/2014/main" id="{00D5DE2C-4A60-59BD-8BB0-2BBA69167A10}"/>
+              </a:ext>
+            </a:extLst>
+          </p:cNvPr>
+          <p:cNvSpPr/>
+          <p:nvPr/>
+        </p:nvSpPr>
+        <p:spPr>
+          <a:xfrm flipH="1">
+            <a:off x="3781226" y="1150510"/>
+            <a:ext cx="45719" cy="45719"/>
+          </a:xfrm>
+          <a:prstGeom prst="ellipse">
+            <a:avLst/>
+          </a:prstGeom>
+          <a:ln>
+            <a:solidFill>
+              <a:schemeClr val="accent5"/>
+            </a:solidFill>
+          </a:ln>
+        </p:spPr>
+        <p:style>
+          <a:lnRef idx="2">
+            <a:schemeClr val="accent5">
+              <a:shade val="15000"/>
+            </a:schemeClr>
+          </a:lnRef>
+          <a:fillRef idx="1">
+            <a:schemeClr val="accent5"/>
+          </a:fillRef>
+          <a:effectRef idx="0">
+            <a:schemeClr val="accent5"/>
+          </a:effectRef>
+          <a:fontRef idx="minor">
+            <a:schemeClr val="lt1"/>
+          </a:fontRef>
+        </p:style>
+        <p:txBody>
+          <a:bodyPr rtlCol="0" anchor="ctr"/>
+          <a:lstStyle/>
+          <a:p>
+            <a:pPr algn="ctr"/>
+            <a:endParaRPr lang="en-US"/>
+          </a:p>
+        </p:txBody>
+      </p:sp>
+      <p:pic>
+        <p:nvPicPr>
+          <p:cNvPr id="23" name="Picture 22" descr="A green square with lines and a black background&#10;&#10;Description automatically generated">
+            <a:extLst>
+              <a:ext uri="{FF2B5EF4-FFF2-40B4-BE49-F238E27FC236}">
+                <a16:creationId xmlns:a16="http://schemas.microsoft.com/office/drawing/2014/main" id="{5CDF7E8E-4717-1E6B-4D46-DE280CEB6B28}"/>
+              </a:ext>
+            </a:extLst>
+          </p:cNvPr>
+          <p:cNvPicPr>
+            <a:picLocks noChangeAspect="1"/>
+          </p:cNvPicPr>
+          <p:nvPr/>
+        </p:nvPicPr>
+        <p:blipFill>
+          <a:blip r:embed="rId2"/>
+          <a:stretch>
+            <a:fillRect/>
+          </a:stretch>
+        </p:blipFill>
+        <p:spPr>
+          <a:xfrm rot="19654123">
+            <a:off x="3564093" y="1282491"/>
+            <a:ext cx="325610" cy="497630"/>
+          </a:xfrm>
+          <a:prstGeom prst="rect">
+            <a:avLst/>
+          </a:prstGeom>
+        </p:spPr>
+      </p:pic>
+      <p:sp>
+        <p:nvSpPr>
+          <p:cNvPr id="25" name="Oval 24">
+            <a:extLst>
+              <a:ext uri="{FF2B5EF4-FFF2-40B4-BE49-F238E27FC236}">
+                <a16:creationId xmlns:a16="http://schemas.microsoft.com/office/drawing/2014/main" id="{D3343A87-A0CC-9E9E-3616-368171D76884}"/>
+              </a:ext>
+            </a:extLst>
+          </p:cNvPr>
+          <p:cNvSpPr/>
+          <p:nvPr/>
+        </p:nvSpPr>
+        <p:spPr>
+          <a:xfrm flipH="1">
+            <a:off x="3582813" y="1317984"/>
+            <a:ext cx="45719" cy="45719"/>
+          </a:xfrm>
+          <a:prstGeom prst="ellipse">
+            <a:avLst/>
+          </a:prstGeom>
+          <a:ln>
+            <a:solidFill>
+              <a:schemeClr val="accent5"/>
+            </a:solidFill>
+          </a:ln>
+        </p:spPr>
+        <p:style>
+          <a:lnRef idx="2">
+            <a:schemeClr val="accent5">
+              <a:shade val="15000"/>
+            </a:schemeClr>
+          </a:lnRef>
+          <a:fillRef idx="1">
+            <a:schemeClr val="accent5"/>
+          </a:fillRef>
+          <a:effectRef idx="0">
+            <a:schemeClr val="accent5"/>
+          </a:effectRef>
+          <a:fontRef idx="minor">
+            <a:schemeClr val="lt1"/>
+          </a:fontRef>
+        </p:style>
+        <p:txBody>
+          <a:bodyPr rtlCol="0" anchor="ctr"/>
+          <a:lstStyle/>
+          <a:p>
+            <a:pPr algn="ctr"/>
+            <a:endParaRPr lang="en-US"/>
+          </a:p>
+        </p:txBody>
+      </p:sp>
+      <p:pic>
+        <p:nvPicPr>
+          <p:cNvPr id="27" name="Picture 26" descr="A green square with lines and a black background&#10;&#10;Description automatically generated">
+            <a:extLst>
+              <a:ext uri="{FF2B5EF4-FFF2-40B4-BE49-F238E27FC236}">
+                <a16:creationId xmlns:a16="http://schemas.microsoft.com/office/drawing/2014/main" id="{F329D4C9-0B2B-A80A-C879-50833592AB12}"/>
+              </a:ext>
+            </a:extLst>
+          </p:cNvPr>
+          <p:cNvPicPr>
+            <a:picLocks noChangeAspect="1"/>
+          </p:cNvPicPr>
+          <p:nvPr/>
+        </p:nvPicPr>
+        <p:blipFill>
+          <a:blip r:embed="rId2"/>
+          <a:stretch>
+            <a:fillRect/>
+          </a:stretch>
+        </p:blipFill>
+        <p:spPr>
+          <a:xfrm rot="21038439">
+            <a:off x="4726363" y="494780"/>
+            <a:ext cx="325610" cy="497630"/>
+          </a:xfrm>
+          <a:prstGeom prst="rect">
+            <a:avLst/>
+          </a:prstGeom>
+        </p:spPr>
+      </p:pic>
+      <p:sp>
+        <p:nvSpPr>
+          <p:cNvPr id="30" name="Oval 29">
+            <a:extLst>
+              <a:ext uri="{FF2B5EF4-FFF2-40B4-BE49-F238E27FC236}">
+                <a16:creationId xmlns:a16="http://schemas.microsoft.com/office/drawing/2014/main" id="{3672FF5A-8458-912E-45F1-A9C7464C26C6}"/>
+              </a:ext>
+            </a:extLst>
+          </p:cNvPr>
+          <p:cNvSpPr/>
+          <p:nvPr/>
+        </p:nvSpPr>
+        <p:spPr>
+          <a:xfrm flipH="1">
+            <a:off x="4817691" y="478595"/>
+            <a:ext cx="45719" cy="45719"/>
+          </a:xfrm>
+          <a:prstGeom prst="ellipse">
+            <a:avLst/>
+          </a:prstGeom>
+          <a:ln>
+            <a:solidFill>
+              <a:schemeClr val="accent5"/>
+            </a:solidFill>
+          </a:ln>
+        </p:spPr>
+        <p:style>
+          <a:lnRef idx="2">
+            <a:schemeClr val="accent5">
+              <a:shade val="15000"/>
+            </a:schemeClr>
+          </a:lnRef>
+          <a:fillRef idx="1">
+            <a:schemeClr val="accent5"/>
+          </a:fillRef>
+          <a:effectRef idx="0">
+            <a:schemeClr val="accent5"/>
+          </a:effectRef>
+          <a:fontRef idx="minor">
+            <a:schemeClr val="lt1"/>
+          </a:fontRef>
+        </p:style>
+        <p:txBody>
+          <a:bodyPr rtlCol="0" anchor="ctr"/>
+          <a:lstStyle/>
+          <a:p>
+            <a:pPr algn="ctr"/>
+            <a:endParaRPr lang="en-US"/>
+          </a:p>
+        </p:txBody>
+      </p:sp>
+      <p:pic>
+        <p:nvPicPr>
+          <p:cNvPr id="31" name="Picture 30" descr="A green square with lines and a black background&#10;&#10;Description automatically generated">
+            <a:extLst>
+              <a:ext uri="{FF2B5EF4-FFF2-40B4-BE49-F238E27FC236}">
+                <a16:creationId xmlns:a16="http://schemas.microsoft.com/office/drawing/2014/main" id="{49BF25F6-2A66-2CB1-7A45-A58B899BEA2A}"/>
+              </a:ext>
+            </a:extLst>
+          </p:cNvPr>
+          <p:cNvPicPr>
+            <a:picLocks noChangeAspect="1"/>
+          </p:cNvPicPr>
+          <p:nvPr/>
+        </p:nvPicPr>
+        <p:blipFill>
+          <a:blip r:embed="rId2"/>
+          <a:stretch>
+            <a:fillRect/>
+          </a:stretch>
+        </p:blipFill>
+        <p:spPr>
+          <a:xfrm rot="19467702">
+            <a:off x="4927080" y="469663"/>
+            <a:ext cx="325610" cy="497630"/>
+          </a:xfrm>
+          <a:prstGeom prst="rect">
+            <a:avLst/>
+          </a:prstGeom>
+        </p:spPr>
+      </p:pic>
+      <p:sp>
+        <p:nvSpPr>
+          <p:cNvPr id="32" name="Oval 31">
+            <a:extLst>
+              <a:ext uri="{FF2B5EF4-FFF2-40B4-BE49-F238E27FC236}">
+                <a16:creationId xmlns:a16="http://schemas.microsoft.com/office/drawing/2014/main" id="{B65E23C6-4E6F-791F-0AB7-819B93C541E4}"/>
+              </a:ext>
+            </a:extLst>
+          </p:cNvPr>
+          <p:cNvSpPr/>
+          <p:nvPr/>
+        </p:nvSpPr>
+        <p:spPr>
+          <a:xfrm flipH="1">
+            <a:off x="4937532" y="506353"/>
+            <a:ext cx="45719" cy="45719"/>
+          </a:xfrm>
+          <a:prstGeom prst="ellipse">
+            <a:avLst/>
+          </a:prstGeom>
+          <a:ln>
+            <a:solidFill>
+              <a:schemeClr val="accent5"/>
+            </a:solidFill>
+          </a:ln>
+        </p:spPr>
+        <p:style>
+          <a:lnRef idx="2">
+            <a:schemeClr val="accent5">
+              <a:shade val="15000"/>
+            </a:schemeClr>
+          </a:lnRef>
+          <a:fillRef idx="1">
+            <a:schemeClr val="accent5"/>
+          </a:fillRef>
+          <a:effectRef idx="0">
+            <a:schemeClr val="accent5"/>
+          </a:effectRef>
+          <a:fontRef idx="minor">
+            <a:schemeClr val="lt1"/>
+          </a:fontRef>
+        </p:style>
+        <p:txBody>
+          <a:bodyPr rtlCol="0" anchor="ctr"/>
+          <a:lstStyle/>
+          <a:p>
+            <a:pPr algn="ctr"/>
+            <a:endParaRPr lang="en-US"/>
+          </a:p>
+        </p:txBody>
+      </p:sp>
+      <p:pic>
+        <p:nvPicPr>
+          <p:cNvPr id="34" name="Picture 33" descr="A green square with lines and a black background&#10;&#10;Description automatically generated">
+            <a:extLst>
+              <a:ext uri="{FF2B5EF4-FFF2-40B4-BE49-F238E27FC236}">
+                <a16:creationId xmlns:a16="http://schemas.microsoft.com/office/drawing/2014/main" id="{DE63444D-6771-3AE7-0813-485CF2D405C9}"/>
+              </a:ext>
+            </a:extLst>
+          </p:cNvPr>
+          <p:cNvPicPr>
+            <a:picLocks noChangeAspect="1"/>
+          </p:cNvPicPr>
+          <p:nvPr/>
+        </p:nvPicPr>
+        <p:blipFill>
+          <a:blip r:embed="rId2"/>
+          <a:stretch>
+            <a:fillRect/>
+          </a:stretch>
+        </p:blipFill>
+        <p:spPr>
+          <a:xfrm rot="600401">
+            <a:off x="4535195" y="652881"/>
+            <a:ext cx="325610" cy="497630"/>
+          </a:xfrm>
+          <a:prstGeom prst="rect">
+            <a:avLst/>
+          </a:prstGeom>
+        </p:spPr>
+      </p:pic>
+      <p:sp>
+        <p:nvSpPr>
+          <p:cNvPr id="35" name="Oval 34">
+            <a:extLst>
+              <a:ext uri="{FF2B5EF4-FFF2-40B4-BE49-F238E27FC236}">
+                <a16:creationId xmlns:a16="http://schemas.microsoft.com/office/drawing/2014/main" id="{CFCE091B-28F5-40E3-0CAB-6671E68EBB2A}"/>
+              </a:ext>
+            </a:extLst>
+          </p:cNvPr>
+          <p:cNvSpPr/>
+          <p:nvPr/>
+        </p:nvSpPr>
+        <p:spPr>
+          <a:xfrm rot="1161962" flipH="1">
+            <a:off x="4704287" y="654545"/>
+            <a:ext cx="45719" cy="45719"/>
+          </a:xfrm>
+          <a:prstGeom prst="ellipse">
+            <a:avLst/>
+          </a:prstGeom>
+          <a:ln>
+            <a:solidFill>
+              <a:schemeClr val="accent5"/>
+            </a:solidFill>
+          </a:ln>
+        </p:spPr>
+        <p:style>
+          <a:lnRef idx="2">
+            <a:schemeClr val="accent5">
+              <a:shade val="15000"/>
+            </a:schemeClr>
+          </a:lnRef>
+          <a:fillRef idx="1">
+            <a:schemeClr val="accent5"/>
+          </a:fillRef>
+          <a:effectRef idx="0">
+            <a:schemeClr val="accent5"/>
+          </a:effectRef>
+          <a:fontRef idx="minor">
+            <a:schemeClr val="lt1"/>
+          </a:fontRef>
+        </p:style>
+        <p:txBody>
+          <a:bodyPr rtlCol="0" anchor="ctr"/>
+          <a:lstStyle/>
+          <a:p>
+            <a:pPr algn="ctr"/>
+            <a:endParaRPr lang="en-US"/>
+          </a:p>
+        </p:txBody>
+      </p:sp>
+      <p:pic>
+        <p:nvPicPr>
+          <p:cNvPr id="38" name="Picture 37" descr="A green square with lines and a black background&#10;&#10;Description automatically generated">
+            <a:extLst>
+              <a:ext uri="{FF2B5EF4-FFF2-40B4-BE49-F238E27FC236}">
+                <a16:creationId xmlns:a16="http://schemas.microsoft.com/office/drawing/2014/main" id="{37A9B16F-1C8E-D213-8A61-6456A9A62B98}"/>
+              </a:ext>
+            </a:extLst>
+          </p:cNvPr>
+          <p:cNvPicPr>
+            <a:picLocks noChangeAspect="1"/>
+          </p:cNvPicPr>
+          <p:nvPr/>
+        </p:nvPicPr>
+        <p:blipFill>
+          <a:blip r:embed="rId2"/>
+          <a:stretch>
+            <a:fillRect/>
+          </a:stretch>
+        </p:blipFill>
+        <p:spPr>
+          <a:xfrm rot="4878933">
+            <a:off x="5522771" y="1788210"/>
+            <a:ext cx="325610" cy="497630"/>
+          </a:xfrm>
+          <a:prstGeom prst="rect">
+            <a:avLst/>
+          </a:prstGeom>
+        </p:spPr>
+      </p:pic>
+      <p:sp>
+        <p:nvSpPr>
+          <p:cNvPr id="42" name="Oval 41">
+            <a:extLst>
+              <a:ext uri="{FF2B5EF4-FFF2-40B4-BE49-F238E27FC236}">
+                <a16:creationId xmlns:a16="http://schemas.microsoft.com/office/drawing/2014/main" id="{1F6A7603-CA83-B500-C0FC-88260C7455AF}"/>
+              </a:ext>
+            </a:extLst>
+          </p:cNvPr>
+          <p:cNvSpPr/>
+          <p:nvPr/>
+        </p:nvSpPr>
+        <p:spPr>
+          <a:xfrm flipH="1">
+            <a:off x="5860354" y="1981128"/>
+            <a:ext cx="45719" cy="45719"/>
+          </a:xfrm>
+          <a:prstGeom prst="ellipse">
+            <a:avLst/>
+          </a:prstGeom>
+          <a:ln>
+            <a:solidFill>
+              <a:schemeClr val="accent5"/>
+            </a:solidFill>
+          </a:ln>
+        </p:spPr>
+        <p:style>
+          <a:lnRef idx="2">
+            <a:schemeClr val="accent5">
+              <a:shade val="15000"/>
+            </a:schemeClr>
+          </a:lnRef>
+          <a:fillRef idx="1">
+            <a:schemeClr val="accent5"/>
+          </a:fillRef>
+          <a:effectRef idx="0">
+            <a:schemeClr val="accent5"/>
+          </a:effectRef>
+          <a:fontRef idx="minor">
+            <a:schemeClr val="lt1"/>
+          </a:fontRef>
+        </p:style>
+        <p:txBody>
+          <a:bodyPr rtlCol="0" anchor="ctr"/>
+          <a:lstStyle/>
+          <a:p>
+            <a:pPr algn="ctr"/>
+            <a:endParaRPr lang="en-US"/>
+          </a:p>
+        </p:txBody>
+      </p:sp>
+      <p:pic>
+        <p:nvPicPr>
+          <p:cNvPr id="43" name="Picture 42" descr="A green square with lines and a black background&#10;&#10;Description automatically generated">
+            <a:extLst>
+              <a:ext uri="{FF2B5EF4-FFF2-40B4-BE49-F238E27FC236}">
+                <a16:creationId xmlns:a16="http://schemas.microsoft.com/office/drawing/2014/main" id="{1140659D-7F97-1005-3AA8-194B196B9F70}"/>
+              </a:ext>
+            </a:extLst>
+          </p:cNvPr>
+          <p:cNvPicPr>
+            <a:picLocks noChangeAspect="1"/>
+          </p:cNvPicPr>
+          <p:nvPr/>
+        </p:nvPicPr>
+        <p:blipFill>
+          <a:blip r:embed="rId2"/>
+          <a:stretch>
+            <a:fillRect/>
+          </a:stretch>
+        </p:blipFill>
+        <p:spPr>
+          <a:xfrm rot="5623922">
+            <a:off x="5425070" y="1578662"/>
+            <a:ext cx="325610" cy="497630"/>
+          </a:xfrm>
+          <a:prstGeom prst="rect">
+            <a:avLst/>
+          </a:prstGeom>
+        </p:spPr>
+      </p:pic>
+      <p:sp>
+        <p:nvSpPr>
+          <p:cNvPr id="45" name="Oval 44">
+            <a:extLst>
+              <a:ext uri="{FF2B5EF4-FFF2-40B4-BE49-F238E27FC236}">
+                <a16:creationId xmlns:a16="http://schemas.microsoft.com/office/drawing/2014/main" id="{D0E699DC-D4F8-76D1-A9A9-7447F56A4064}"/>
+              </a:ext>
+            </a:extLst>
+          </p:cNvPr>
+          <p:cNvSpPr/>
+          <p:nvPr/>
+        </p:nvSpPr>
+        <p:spPr>
+          <a:xfrm flipH="1">
+            <a:off x="5786390" y="1808870"/>
+            <a:ext cx="45719" cy="45719"/>
+          </a:xfrm>
+          <a:prstGeom prst="ellipse">
+            <a:avLst/>
+          </a:prstGeom>
+          <a:ln>
+            <a:solidFill>
+              <a:schemeClr val="accent5"/>
+            </a:solidFill>
+          </a:ln>
+        </p:spPr>
+        <p:style>
+          <a:lnRef idx="2">
+            <a:schemeClr val="accent5">
+              <a:shade val="15000"/>
+            </a:schemeClr>
+          </a:lnRef>
+          <a:fillRef idx="1">
+            <a:schemeClr val="accent5"/>
+          </a:fillRef>
+          <a:effectRef idx="0">
+            <a:schemeClr val="accent5"/>
+          </a:effectRef>
+          <a:fontRef idx="minor">
+            <a:schemeClr val="lt1"/>
+          </a:fontRef>
+        </p:style>
+        <p:txBody>
+          <a:bodyPr rtlCol="0" anchor="ctr"/>
+          <a:lstStyle/>
+          <a:p>
+            <a:pPr algn="ctr"/>
+            <a:endParaRPr lang="en-US"/>
+          </a:p>
+        </p:txBody>
+      </p:sp>
+      <p:sp>
+        <p:nvSpPr>
+          <p:cNvPr id="47" name="Oval 46">
+            <a:extLst>
+              <a:ext uri="{FF2B5EF4-FFF2-40B4-BE49-F238E27FC236}">
+                <a16:creationId xmlns:a16="http://schemas.microsoft.com/office/drawing/2014/main" id="{2DC6D5F4-6E63-7B01-D7CD-CED973FC145F}"/>
+              </a:ext>
+            </a:extLst>
+          </p:cNvPr>
+          <p:cNvSpPr/>
+          <p:nvPr/>
+        </p:nvSpPr>
+        <p:spPr>
+          <a:xfrm rot="1161962" flipH="1">
+            <a:off x="5799114" y="2207972"/>
+            <a:ext cx="45719" cy="45719"/>
+          </a:xfrm>
+          <a:prstGeom prst="ellipse">
+            <a:avLst/>
+          </a:prstGeom>
+          <a:ln>
+            <a:solidFill>
+              <a:schemeClr val="accent5"/>
+            </a:solidFill>
+          </a:ln>
+        </p:spPr>
+        <p:style>
+          <a:lnRef idx="2">
+            <a:schemeClr val="accent5">
+              <a:shade val="15000"/>
+            </a:schemeClr>
+          </a:lnRef>
+          <a:fillRef idx="1">
+            <a:schemeClr val="accent5"/>
+          </a:fillRef>
+          <a:effectRef idx="0">
+            <a:schemeClr val="accent5"/>
+          </a:effectRef>
+          <a:fontRef idx="minor">
+            <a:schemeClr val="lt1"/>
+          </a:fontRef>
+        </p:style>
+        <p:txBody>
+          <a:bodyPr rtlCol="0" anchor="ctr"/>
+          <a:lstStyle/>
+          <a:p>
+            <a:pPr algn="ctr"/>
+            <a:endParaRPr lang="en-US"/>
+          </a:p>
+        </p:txBody>
+      </p:sp>
+      <p:pic>
+        <p:nvPicPr>
+          <p:cNvPr id="48" name="Picture 47" descr="A green square with lines and a black background&#10;&#10;Description automatically generated">
+            <a:extLst>
+              <a:ext uri="{FF2B5EF4-FFF2-40B4-BE49-F238E27FC236}">
+                <a16:creationId xmlns:a16="http://schemas.microsoft.com/office/drawing/2014/main" id="{6DB00A4E-37DD-3EBC-0944-41165AAF4367}"/>
+              </a:ext>
+            </a:extLst>
+          </p:cNvPr>
+          <p:cNvPicPr>
+            <a:picLocks noChangeAspect="1"/>
+          </p:cNvPicPr>
+          <p:nvPr/>
+        </p:nvPicPr>
+        <p:blipFill>
+          <a:blip r:embed="rId2"/>
+          <a:stretch>
+            <a:fillRect/>
+          </a:stretch>
+        </p:blipFill>
+        <p:spPr>
+          <a:xfrm rot="746907">
+            <a:off x="5713841" y="570342"/>
+            <a:ext cx="325610" cy="497630"/>
+          </a:xfrm>
+          <a:prstGeom prst="rect">
+            <a:avLst/>
+          </a:prstGeom>
+        </p:spPr>
+      </p:pic>
+      <p:sp>
+        <p:nvSpPr>
+          <p:cNvPr id="50" name="Oval 49">
+            <a:extLst>
+              <a:ext uri="{FF2B5EF4-FFF2-40B4-BE49-F238E27FC236}">
+                <a16:creationId xmlns:a16="http://schemas.microsoft.com/office/drawing/2014/main" id="{CA987687-654C-ED64-A053-AA00C9719AEF}"/>
+              </a:ext>
+            </a:extLst>
+          </p:cNvPr>
+          <p:cNvSpPr/>
+          <p:nvPr/>
+        </p:nvSpPr>
+        <p:spPr>
+          <a:xfrm flipH="1">
+            <a:off x="5734623" y="481001"/>
+            <a:ext cx="45719" cy="45719"/>
+          </a:xfrm>
+          <a:prstGeom prst="ellipse">
+            <a:avLst/>
+          </a:prstGeom>
+          <a:ln>
+            <a:solidFill>
+              <a:schemeClr val="accent5"/>
+            </a:solidFill>
+          </a:ln>
+        </p:spPr>
+        <p:style>
+          <a:lnRef idx="2">
+            <a:schemeClr val="accent5">
+              <a:shade val="15000"/>
+            </a:schemeClr>
+          </a:lnRef>
+          <a:fillRef idx="1">
+            <a:schemeClr val="accent5"/>
+          </a:fillRef>
+          <a:effectRef idx="0">
+            <a:schemeClr val="accent5"/>
+          </a:effectRef>
+          <a:fontRef idx="minor">
+            <a:schemeClr val="lt1"/>
+          </a:fontRef>
+        </p:style>
+        <p:txBody>
+          <a:bodyPr rtlCol="0" anchor="ctr"/>
+          <a:lstStyle/>
+          <a:p>
+            <a:pPr algn="ctr"/>
+            <a:endParaRPr lang="en-US"/>
+          </a:p>
+        </p:txBody>
+      </p:sp>
+      <p:sp>
+        <p:nvSpPr>
+          <p:cNvPr id="54" name="Oval 53">
+            <a:extLst>
+              <a:ext uri="{FF2B5EF4-FFF2-40B4-BE49-F238E27FC236}">
+                <a16:creationId xmlns:a16="http://schemas.microsoft.com/office/drawing/2014/main" id="{791DDDB5-4FB2-7E83-12A3-AD34EB2D44C5}"/>
+              </a:ext>
+            </a:extLst>
+          </p:cNvPr>
+          <p:cNvSpPr/>
+          <p:nvPr/>
+        </p:nvSpPr>
+        <p:spPr>
+          <a:xfrm flipH="1">
+            <a:off x="5894496" y="579795"/>
+            <a:ext cx="45719" cy="45719"/>
+          </a:xfrm>
+          <a:prstGeom prst="ellipse">
+            <a:avLst/>
+          </a:prstGeom>
+          <a:ln>
+            <a:solidFill>
+              <a:schemeClr val="accent5"/>
+            </a:solidFill>
+          </a:ln>
+        </p:spPr>
+        <p:style>
+          <a:lnRef idx="2">
+            <a:schemeClr val="accent5">
+              <a:shade val="15000"/>
+            </a:schemeClr>
+          </a:lnRef>
+          <a:fillRef idx="1">
+            <a:schemeClr val="accent5"/>
+          </a:fillRef>
+          <a:effectRef idx="0">
+            <a:schemeClr val="accent5"/>
+          </a:effectRef>
+          <a:fontRef idx="minor">
+            <a:schemeClr val="lt1"/>
+          </a:fontRef>
+        </p:style>
+        <p:txBody>
+          <a:bodyPr rtlCol="0" anchor="ctr"/>
+          <a:lstStyle/>
+          <a:p>
+            <a:pPr algn="ctr"/>
+            <a:endParaRPr lang="en-US"/>
+          </a:p>
+        </p:txBody>
+      </p:sp>
+      <p:pic>
+        <p:nvPicPr>
+          <p:cNvPr id="55" name="Picture 54" descr="A green square with lines and a black background&#10;&#10;Description automatically generated">
+            <a:extLst>
+              <a:ext uri="{FF2B5EF4-FFF2-40B4-BE49-F238E27FC236}">
+                <a16:creationId xmlns:a16="http://schemas.microsoft.com/office/drawing/2014/main" id="{6307229F-6D05-D400-1199-EE7172A01A76}"/>
+              </a:ext>
+            </a:extLst>
+          </p:cNvPr>
+          <p:cNvPicPr>
+            <a:picLocks noChangeAspect="1"/>
+          </p:cNvPicPr>
+          <p:nvPr/>
+        </p:nvPicPr>
+        <p:blipFill>
+          <a:blip r:embed="rId2"/>
+          <a:stretch>
+            <a:fillRect/>
+          </a:stretch>
+        </p:blipFill>
+        <p:spPr>
+          <a:xfrm rot="5239202">
+            <a:off x="5419568" y="2000231"/>
+            <a:ext cx="325610" cy="497630"/>
+          </a:xfrm>
+          <a:prstGeom prst="rect">
+            <a:avLst/>
+          </a:prstGeom>
+        </p:spPr>
+      </p:pic>
+      <p:cxnSp>
+        <p:nvCxnSpPr>
+          <p:cNvPr id="57" name="Straight Arrow Connector 56">
+            <a:extLst>
+              <a:ext uri="{FF2B5EF4-FFF2-40B4-BE49-F238E27FC236}">
+                <a16:creationId xmlns:a16="http://schemas.microsoft.com/office/drawing/2014/main" id="{6C0A6E5F-DAD6-AEAB-4892-AE81830537D5}"/>
+              </a:ext>
+            </a:extLst>
+          </p:cNvPr>
+          <p:cNvCxnSpPr>
+            <a:cxnSpLocks/>
+            <a:stCxn id="7" idx="1"/>
+          </p:cNvCxnSpPr>
+          <p:nvPr/>
+        </p:nvCxnSpPr>
+        <p:spPr>
+          <a:xfrm flipH="1" flipV="1">
+            <a:off x="3832946" y="1379345"/>
+            <a:ext cx="402988" cy="933169"/>
+          </a:xfrm>
+          <a:prstGeom prst="straightConnector1">
+            <a:avLst/>
+          </a:prstGeom>
+          <a:ln w="6350">
+            <a:solidFill>
+              <a:schemeClr val="accent2"/>
+            </a:solidFill>
+            <a:tailEnd type="triangle" w="sm" len="sm"/>
+          </a:ln>
+        </p:spPr>
+        <p:style>
+          <a:lnRef idx="2">
+            <a:schemeClr val="accent1"/>
+          </a:lnRef>
+          <a:fillRef idx="0">
+            <a:schemeClr val="accent1"/>
+          </a:fillRef>
+          <a:effectRef idx="1">
+            <a:schemeClr val="accent1"/>
+          </a:effectRef>
+          <a:fontRef idx="minor">
+            <a:schemeClr val="tx1"/>
+          </a:fontRef>
+        </p:style>
+      </p:cxnSp>
+      <p:cxnSp>
+        <p:nvCxnSpPr>
+          <p:cNvPr id="1039" name="Straight Arrow Connector 1038">
+            <a:extLst>
+              <a:ext uri="{FF2B5EF4-FFF2-40B4-BE49-F238E27FC236}">
+                <a16:creationId xmlns:a16="http://schemas.microsoft.com/office/drawing/2014/main" id="{4849B46C-2E6A-4AD1-5611-2776296343F4}"/>
+              </a:ext>
+            </a:extLst>
+          </p:cNvPr>
+          <p:cNvCxnSpPr>
+            <a:cxnSpLocks/>
+          </p:cNvCxnSpPr>
+          <p:nvPr/>
+        </p:nvCxnSpPr>
+        <p:spPr>
+          <a:xfrm flipV="1">
+            <a:off x="3858287" y="522522"/>
+            <a:ext cx="945047" cy="782988"/>
+          </a:xfrm>
+          <a:prstGeom prst="straightConnector1">
+            <a:avLst/>
+          </a:prstGeom>
+          <a:ln w="6350">
+            <a:solidFill>
+              <a:schemeClr val="accent2"/>
+            </a:solidFill>
+            <a:tailEnd type="triangle" w="sm" len="sm"/>
+          </a:ln>
+        </p:spPr>
+        <p:style>
+          <a:lnRef idx="2">
+            <a:schemeClr val="accent1"/>
+          </a:lnRef>
+          <a:fillRef idx="0">
+            <a:schemeClr val="accent1"/>
+          </a:fillRef>
+          <a:effectRef idx="1">
+            <a:schemeClr val="accent1"/>
+          </a:effectRef>
+          <a:fontRef idx="minor">
+            <a:schemeClr val="tx1"/>
+          </a:fontRef>
+        </p:style>
+      </p:cxnSp>
+      <p:cxnSp>
+        <p:nvCxnSpPr>
+          <p:cNvPr id="1048" name="Straight Arrow Connector 1047">
+            <a:extLst>
+              <a:ext uri="{FF2B5EF4-FFF2-40B4-BE49-F238E27FC236}">
+                <a16:creationId xmlns:a16="http://schemas.microsoft.com/office/drawing/2014/main" id="{EA162269-0996-A355-3F18-0F3254A7C0F1}"/>
+              </a:ext>
+            </a:extLst>
+          </p:cNvPr>
+          <p:cNvCxnSpPr>
+            <a:cxnSpLocks/>
+            <a:stCxn id="27" idx="0"/>
+          </p:cNvCxnSpPr>
+          <p:nvPr/>
+        </p:nvCxnSpPr>
+        <p:spPr>
+          <a:xfrm>
+            <a:off x="4848704" y="498092"/>
+            <a:ext cx="1029227" cy="102530"/>
+          </a:xfrm>
+          <a:prstGeom prst="straightConnector1">
+            <a:avLst/>
+          </a:prstGeom>
+          <a:ln w="6350">
+            <a:solidFill>
+              <a:schemeClr val="accent2"/>
+            </a:solidFill>
+            <a:tailEnd type="triangle" w="sm" len="sm"/>
+          </a:ln>
+        </p:spPr>
+        <p:style>
+          <a:lnRef idx="2">
+            <a:schemeClr val="accent1"/>
+          </a:lnRef>
+          <a:fillRef idx="0">
+            <a:schemeClr val="accent1"/>
+          </a:fillRef>
+          <a:effectRef idx="1">
+            <a:schemeClr val="accent1"/>
+          </a:effectRef>
+          <a:fontRef idx="minor">
+            <a:schemeClr val="tx1"/>
+          </a:fontRef>
+        </p:style>
+      </p:cxnSp>
+      <p:cxnSp>
+        <p:nvCxnSpPr>
+          <p:cNvPr id="1053" name="Straight Arrow Connector 1052">
+            <a:extLst>
+              <a:ext uri="{FF2B5EF4-FFF2-40B4-BE49-F238E27FC236}">
+                <a16:creationId xmlns:a16="http://schemas.microsoft.com/office/drawing/2014/main" id="{876945D3-3EC8-74EE-E91C-EC0172299C41}"/>
+              </a:ext>
+            </a:extLst>
+          </p:cNvPr>
+          <p:cNvCxnSpPr>
+            <a:cxnSpLocks/>
+            <a:endCxn id="38" idx="0"/>
+          </p:cNvCxnSpPr>
+          <p:nvPr/>
+        </p:nvCxnSpPr>
+        <p:spPr>
+          <a:xfrm>
+            <a:off x="5922433" y="655161"/>
+            <a:ext cx="9105" cy="1344295"/>
+          </a:xfrm>
+          <a:prstGeom prst="straightConnector1">
+            <a:avLst/>
+          </a:prstGeom>
+          <a:ln w="6350">
+            <a:solidFill>
+              <a:schemeClr val="accent2"/>
+            </a:solidFill>
+            <a:tailEnd type="triangle" w="sm" len="sm"/>
+          </a:ln>
+        </p:spPr>
+        <p:style>
+          <a:lnRef idx="2">
+            <a:schemeClr val="accent1"/>
+          </a:lnRef>
+          <a:fillRef idx="0">
+            <a:schemeClr val="accent1"/>
+          </a:fillRef>
+          <a:effectRef idx="1">
+            <a:schemeClr val="accent1"/>
+          </a:effectRef>
+          <a:fontRef idx="minor">
+            <a:schemeClr val="tx1"/>
+          </a:fontRef>
+        </p:style>
+      </p:cxnSp>
+      <p:cxnSp>
+        <p:nvCxnSpPr>
+          <p:cNvPr id="1062" name="Straight Arrow Connector 1061">
+            <a:extLst>
+              <a:ext uri="{FF2B5EF4-FFF2-40B4-BE49-F238E27FC236}">
+                <a16:creationId xmlns:a16="http://schemas.microsoft.com/office/drawing/2014/main" id="{54C64C35-7B72-C36A-DCE1-0D3C663E4B2D}"/>
+              </a:ext>
+            </a:extLst>
+          </p:cNvPr>
+          <p:cNvCxnSpPr>
+            <a:cxnSpLocks/>
+            <a:stCxn id="38" idx="0"/>
+          </p:cNvCxnSpPr>
+          <p:nvPr/>
+        </p:nvCxnSpPr>
+        <p:spPr>
+          <a:xfrm flipH="1">
+            <a:off x="4599846" y="1999456"/>
+            <a:ext cx="1331692" cy="580838"/>
+          </a:xfrm>
+          <a:prstGeom prst="straightConnector1">
+            <a:avLst/>
+          </a:prstGeom>
+          <a:ln w="6350">
+            <a:solidFill>
+              <a:schemeClr val="accent2"/>
+            </a:solidFill>
+            <a:tailEnd type="triangle" w="sm" len="sm"/>
+          </a:ln>
+        </p:spPr>
+        <p:style>
+          <a:lnRef idx="2">
+            <a:schemeClr val="accent1"/>
+          </a:lnRef>
+          <a:fillRef idx="0">
+            <a:schemeClr val="accent1"/>
+          </a:fillRef>
+          <a:effectRef idx="1">
+            <a:schemeClr val="accent1"/>
+          </a:effectRef>
+          <a:fontRef idx="minor">
+            <a:schemeClr val="tx1"/>
+          </a:fontRef>
+        </p:style>
+      </p:cxnSp>
+    </p:spTree>
+    <p:extLst>
+      <p:ext uri="{BB962C8B-B14F-4D97-AF65-F5344CB8AC3E}">
+        <p14:creationId xmlns:p14="http://schemas.microsoft.com/office/powerpoint/2010/main" val="1715499499"/>
+      </p:ext>
+    </p:extLst>
+  </p:cSld>
+  <p:clrMapOvr>
+    <a:masterClrMapping/>
+  </p:clrMapOvr>
+</p:sld>
+</file>
+
 <file path=ppt/theme/theme1.xml><?xml version="1.0" encoding="utf-8"?>
 <a:theme xmlns:a="http://schemas.openxmlformats.org/drawingml/2006/main" name="Office Theme">
   <a:themeElements>
